--- a/Doc/AKKA Introduce.pptx
+++ b/Doc/AKKA Introduce.pptx
@@ -19862,19 +19862,21 @@
           <a:pPr latinLnBrk="1"/>
           <a:r>
             <a:rPr lang="ko-KR" altLang="en-US" sz="2000" dirty="0"/>
-            <a:t>무대는 여러 개 구성이 가능하며</a:t>
+            <a:t>무대는 여러 개 구성 가능하며</a:t>
           </a:r>
-          <a:r>
+          <a:br>
             <a:rPr lang="en-US" altLang="ko-KR" sz="2000" dirty="0"/>
-            <a:t>,</a:t>
-          </a:r>
-          <a:r>
-            <a:rPr lang="ko-KR" altLang="en-US" sz="2000" dirty="0" err="1"/>
-            <a:t>다른무대에</a:t>
-          </a:r>
+          </a:br>
           <a:r>
             <a:rPr lang="ko-KR" altLang="en-US" sz="2000" dirty="0"/>
-            <a:t> 속한 배우라고 하여 연기방법이 달라지지않는다</a:t>
+            <a:t>다른 무대에 속한 배우와</a:t>
+          </a:r>
+          <a:br>
+            <a:rPr lang="en-US" altLang="ko-KR" sz="2000" dirty="0"/>
+          </a:br>
+          <a:r>
+            <a:rPr lang="ko-KR" altLang="en-US" sz="2000" dirty="0"/>
+            <a:t>직접 대화가 가능하다</a:t>
           </a:r>
           <a:r>
             <a:rPr lang="en-US" altLang="ko-KR" sz="2000" dirty="0"/>
@@ -20581,7 +20583,7 @@
             <a:buNone/>
           </a:pPr>
           <a:r>
-            <a:rPr lang="ko-KR" altLang="en-US" sz="3700" kern="1200" dirty="0"/>
+            <a:rPr lang="ko-KR" sz="3700" kern="1200" dirty="0"/>
             <a:t>다양한 라우터를 제공하며</a:t>
           </a:r>
         </a:p>
@@ -24729,19 +24731,21 @@
           </a:pPr>
           <a:r>
             <a:rPr lang="ko-KR" altLang="en-US" sz="2000" kern="1200" dirty="0"/>
-            <a:t>무대는 여러 개 구성이 가능하며</a:t>
+            <a:t>무대는 여러 개 구성 가능하며</a:t>
           </a:r>
-          <a:r>
+          <a:br>
             <a:rPr lang="en-US" altLang="ko-KR" sz="2000" kern="1200" dirty="0"/>
-            <a:t>,</a:t>
-          </a:r>
-          <a:r>
-            <a:rPr lang="ko-KR" altLang="en-US" sz="2000" kern="1200" dirty="0" err="1"/>
-            <a:t>다른무대에</a:t>
-          </a:r>
+          </a:br>
           <a:r>
             <a:rPr lang="ko-KR" altLang="en-US" sz="2000" kern="1200" dirty="0"/>
-            <a:t> 속한 배우라고 하여 연기방법이 달라지지않는다</a:t>
+            <a:t>다른 무대에 속한 배우와</a:t>
+          </a:r>
+          <a:br>
+            <a:rPr lang="en-US" altLang="ko-KR" sz="2000" kern="1200" dirty="0"/>
+          </a:br>
+          <a:r>
+            <a:rPr lang="ko-KR" altLang="en-US" sz="2000" kern="1200" dirty="0"/>
+            <a:t>직접 대화가 가능하다</a:t>
           </a:r>
           <a:r>
             <a:rPr lang="en-US" altLang="ko-KR" sz="2000" kern="1200" dirty="0"/>
@@ -24845,6 +24849,7 @@
             <a:rPr lang="ko-KR" altLang="en-US" sz="4500" kern="1200" dirty="0"/>
             <a:t> 내장하여 순차보장</a:t>
           </a:r>
+          <a:endParaRPr lang="ko-KR" sz="4500" kern="1200" dirty="0"/>
         </a:p>
       </dsp:txBody>
       <dsp:txXfrm>
@@ -25032,6 +25037,7 @@
             <a:rPr lang="ko-KR" altLang="en-US" sz="3300" kern="1200" dirty="0"/>
             <a:t> 처리</a:t>
           </a:r>
+          <a:endParaRPr lang="ko-KR" sz="3300" kern="1200" dirty="0"/>
         </a:p>
       </dsp:txBody>
       <dsp:txXfrm>
@@ -49381,7 +49387,7 @@
                 <a:latin typeface="바탕" panose="02030600000101010101" pitchFamily="18" charset="-127"/>
                 <a:ea typeface="바탕" panose="02030600000101010101" pitchFamily="18" charset="-127"/>
               </a:rPr>
-              <a:t>2020년 4월 10일</a:t>
+              <a:t>2020년 4월 11일</a:t>
             </a:fld>
             <a:endParaRPr lang="ko-KR" altLang="en-US" dirty="0">
               <a:latin typeface="바탕" panose="02030600000101010101" pitchFamily="18" charset="-127"/>
@@ -49567,7 +49573,7 @@
             <a:fld id="{23873BE6-AABF-4E77-8333-44B502740C47}" type="datetime4">
               <a:rPr lang="ko-KR" altLang="en-US" smtClean="0"/>
               <a:pPr/>
-              <a:t>2020년 4월 10일</a:t>
+              <a:t>2020년 4월 11일</a:t>
             </a:fld>
             <a:endParaRPr lang="ko-KR" altLang="en-US" dirty="0"/>
           </a:p>
@@ -52107,7 +52113,7 @@
             <a:fld id="{A4E24021-43AB-4E93-998D-699CE5E58B5C}" type="datetime4">
               <a:rPr lang="ko-KR" altLang="en-US" smtClean="0"/>
               <a:pPr/>
-              <a:t>2020년 4월 10일</a:t>
+              <a:t>2020년 4월 11일</a:t>
             </a:fld>
             <a:endParaRPr lang="en-US" dirty="0"/>
           </a:p>
@@ -52561,7 +52567,7 @@
             <a:fld id="{2A2311A3-2538-42DE-AEC3-5B7A40B68862}" type="datetime4">
               <a:rPr lang="ko-KR" altLang="en-US" smtClean="0"/>
               <a:pPr/>
-              <a:t>2020년 4월 10일</a:t>
+              <a:t>2020년 4월 11일</a:t>
             </a:fld>
             <a:endParaRPr lang="en-US" dirty="0"/>
           </a:p>
@@ -52818,7 +52824,7 @@
             <a:fld id="{2A2311A3-2538-42DE-AEC3-5B7A40B68862}" type="datetime4">
               <a:rPr lang="ko-KR" altLang="en-US" smtClean="0"/>
               <a:pPr/>
-              <a:t>2020년 4월 10일</a:t>
+              <a:t>2020년 4월 11일</a:t>
             </a:fld>
             <a:endParaRPr lang="en-US" dirty="0"/>
           </a:p>
@@ -53133,7 +53139,7 @@
             <a:fld id="{2A2311A3-2538-42DE-AEC3-5B7A40B68862}" type="datetime4">
               <a:rPr lang="ko-KR" altLang="en-US" smtClean="0"/>
               <a:pPr/>
-              <a:t>2020년 4월 10일</a:t>
+              <a:t>2020년 4월 11일</a:t>
             </a:fld>
             <a:endParaRPr lang="en-US" dirty="0"/>
           </a:p>
@@ -53458,7 +53464,7 @@
             <a:fld id="{2A2311A3-2538-42DE-AEC3-5B7A40B68862}" type="datetime4">
               <a:rPr lang="ko-KR" altLang="en-US" smtClean="0"/>
               <a:pPr/>
-              <a:t>2020년 4월 10일</a:t>
+              <a:t>2020년 4월 11일</a:t>
             </a:fld>
             <a:endParaRPr lang="en-US" dirty="0"/>
           </a:p>
@@ -53767,7 +53773,7 @@
             <a:fld id="{2A2311A3-2538-42DE-AEC3-5B7A40B68862}" type="datetime4">
               <a:rPr lang="ko-KR" altLang="en-US" smtClean="0"/>
               <a:pPr/>
-              <a:t>2020년 4월 10일</a:t>
+              <a:t>2020년 4월 11일</a:t>
             </a:fld>
             <a:endParaRPr lang="en-US" dirty="0"/>
           </a:p>
@@ -54141,7 +54147,7 @@
             <a:fld id="{2A2311A3-2538-42DE-AEC3-5B7A40B68862}" type="datetime4">
               <a:rPr lang="ko-KR" altLang="en-US" smtClean="0"/>
               <a:pPr/>
-              <a:t>2020년 4월 10일</a:t>
+              <a:t>2020년 4월 11일</a:t>
             </a:fld>
             <a:endParaRPr lang="en-US" dirty="0"/>
           </a:p>
@@ -54322,7 +54328,7 @@
             <a:fld id="{E77BDE08-EF69-4CDE-9817-908A40DB987B}" type="datetime4">
               <a:rPr lang="ko-KR" altLang="en-US" smtClean="0"/>
               <a:pPr/>
-              <a:t>2020년 4월 10일</a:t>
+              <a:t>2020년 4월 11일</a:t>
             </a:fld>
             <a:endParaRPr lang="en-US" dirty="0"/>
           </a:p>
@@ -54519,7 +54525,7 @@
             <a:fld id="{B3D5B25B-EC36-4BC0-84ED-D01E4AD690B3}" type="datetime4">
               <a:rPr lang="ko-KR" altLang="en-US" smtClean="0"/>
               <a:pPr/>
-              <a:t>2020년 4월 10일</a:t>
+              <a:t>2020년 4월 11일</a:t>
             </a:fld>
             <a:endParaRPr lang="en-US" dirty="0"/>
           </a:p>
@@ -54706,7 +54712,7 @@
             <a:fld id="{98EE465E-3D0C-432A-9E67-582EEBBC8739}" type="datetime4">
               <a:rPr lang="ko-KR" altLang="en-US" smtClean="0"/>
               <a:pPr/>
-              <a:t>2020년 4월 10일</a:t>
+              <a:t>2020년 4월 11일</a:t>
             </a:fld>
             <a:endParaRPr lang="en-US" dirty="0"/>
           </a:p>
@@ -54974,7 +54980,7 @@
             <a:fld id="{1DB36429-B3C0-466B-BF6F-F6A206099674}" type="datetime4">
               <a:rPr lang="ko-KR" altLang="en-US" smtClean="0"/>
               <a:pPr/>
-              <a:t>2020년 4월 10일</a:t>
+              <a:t>2020년 4월 11일</a:t>
             </a:fld>
             <a:endParaRPr lang="en-US" dirty="0"/>
           </a:p>
@@ -55228,7 +55234,7 @@
             <a:fld id="{2A2311A3-2538-42DE-AEC3-5B7A40B68862}" type="datetime4">
               <a:rPr lang="ko-KR" altLang="en-US" smtClean="0"/>
               <a:pPr/>
-              <a:t>2020년 4월 10일</a:t>
+              <a:t>2020년 4월 11일</a:t>
             </a:fld>
             <a:endParaRPr lang="en-US" dirty="0"/>
           </a:p>
@@ -55617,7 +55623,7 @@
             <a:fld id="{7F694308-BEB5-43C2-96B3-777BAF31FA92}" type="datetime4">
               <a:rPr lang="ko-KR" altLang="en-US" smtClean="0"/>
               <a:pPr/>
-              <a:t>2020년 4월 10일</a:t>
+              <a:t>2020년 4월 11일</a:t>
             </a:fld>
             <a:endParaRPr lang="en-US" dirty="0"/>
           </a:p>
@@ -55753,7 +55759,7 @@
             <a:fld id="{E92518E5-899D-4F1C-B9C0-4153F589D8C4}" type="datetime4">
               <a:rPr lang="ko-KR" altLang="en-US" smtClean="0"/>
               <a:pPr/>
-              <a:t>2020년 4월 10일</a:t>
+              <a:t>2020년 4월 11일</a:t>
             </a:fld>
             <a:endParaRPr lang="en-US" dirty="0"/>
           </a:p>
@@ -55866,7 +55872,7 @@
             <a:fld id="{2A2311A3-2538-42DE-AEC3-5B7A40B68862}" type="datetime4">
               <a:rPr lang="ko-KR" altLang="en-US" smtClean="0"/>
               <a:pPr/>
-              <a:t>2020년 4월 10일</a:t>
+              <a:t>2020년 4월 11일</a:t>
             </a:fld>
             <a:endParaRPr lang="en-US" dirty="0"/>
           </a:p>
@@ -56128,7 +56134,7 @@
             <a:fld id="{CBCA9A85-B5CB-4659-B7AD-2ADB675ACA4D}" type="datetime4">
               <a:rPr lang="ko-KR" altLang="en-US" smtClean="0"/>
               <a:pPr/>
-              <a:t>2020년 4월 10일</a:t>
+              <a:t>2020년 4월 11일</a:t>
             </a:fld>
             <a:endParaRPr lang="en-US" dirty="0"/>
           </a:p>
@@ -56428,7 +56434,7 @@
           <a:p>
             <a:fld id="{AC639DAB-A0D7-40EC-8364-2FCF13A95BC1}" type="datetimeFigureOut">
               <a:rPr lang="ko-KR" altLang="en-US" smtClean="0"/>
-              <a:t>2020-04-10</a:t>
+              <a:t>2020-04-11</a:t>
             </a:fld>
             <a:endParaRPr lang="ko-KR" altLang="en-US"/>
           </a:p>
@@ -56847,7 +56853,7 @@
             <a:fld id="{2A2311A3-2538-42DE-AEC3-5B7A40B68862}" type="datetime4">
               <a:rPr lang="ko-KR" altLang="en-US" smtClean="0"/>
               <a:pPr/>
-              <a:t>2020년 4월 10일</a:t>
+              <a:t>2020년 4월 11일</a:t>
             </a:fld>
             <a:endParaRPr lang="en-US" dirty="0"/>
           </a:p>
@@ -61191,7 +61197,7 @@
           <p:nvPr>
             <p:extLst>
               <p:ext uri="{D42A27DB-BD31-4B8C-83A1-F6EECF244321}">
-                <p14:modId xmlns:p14="http://schemas.microsoft.com/office/powerpoint/2010/main" val="3262202722"/>
+                <p14:modId xmlns:p14="http://schemas.microsoft.com/office/powerpoint/2010/main" val="2200676110"/>
               </p:ext>
             </p:extLst>
           </p:nvPr>

--- a/Doc/AKKA Introduce.pptx
+++ b/Doc/AKKA Introduce.pptx
@@ -16362,12 +16362,12 @@
             <a:t>(</a:t>
           </a:r>
           <a:r>
-            <a:rPr lang="ko-KR" dirty="0" err="1"/>
-            <a:t>뚜거비</a:t>
+            <a:rPr lang="ko-KR" altLang="en-US" dirty="0"/>
+            <a:t>두꺼</a:t>
           </a:r>
           <a:r>
             <a:rPr lang="ko-KR" dirty="0"/>
-            <a:t> 문제로 가끔 장애발생</a:t>
+            <a:t>비 문제로 가끔 장애발생</a:t>
           </a:r>
           <a:r>
             <a:rPr lang="en-US" dirty="0"/>
@@ -20485,12 +20485,12 @@
             <a:t>(</a:t>
           </a:r>
           <a:r>
-            <a:rPr lang="ko-KR" sz="4900" kern="1200" dirty="0" err="1"/>
-            <a:t>뚜거비</a:t>
+            <a:rPr lang="ko-KR" altLang="en-US" sz="4900" kern="1200" dirty="0"/>
+            <a:t>두꺼</a:t>
           </a:r>
           <a:r>
             <a:rPr lang="ko-KR" sz="4900" kern="1200" dirty="0"/>
-            <a:t> 문제로 가끔 장애발생</a:t>
+            <a:t>비 문제로 가끔 장애발생</a:t>
           </a:r>
           <a:r>
             <a:rPr lang="en-US" sz="4900" kern="1200" dirty="0"/>
@@ -57529,7 +57529,7 @@
         </p:nvSpPr>
         <p:spPr>
           <a:xfrm>
-            <a:off x="189756" y="44624"/>
+            <a:off x="261764" y="332656"/>
             <a:ext cx="4114800" cy="689992"/>
           </a:xfrm>
         </p:spPr>
@@ -59233,7 +59233,7 @@
             <p:ph idx="1"/>
             <p:extLst>
               <p:ext uri="{D42A27DB-BD31-4B8C-83A1-F6EECF244321}">
-                <p14:modId xmlns:p14="http://schemas.microsoft.com/office/powerpoint/2010/main" val="610982599"/>
+                <p14:modId xmlns:p14="http://schemas.microsoft.com/office/powerpoint/2010/main" val="851898947"/>
               </p:ext>
             </p:extLst>
           </p:nvPr>
@@ -60609,7 +60609,7 @@
         </p:blipFill>
         <p:spPr>
           <a:xfrm>
-            <a:off x="-170284" y="4581128"/>
+            <a:off x="-170284" y="4922465"/>
             <a:ext cx="3676650" cy="904875"/>
           </a:xfrm>
           <a:prstGeom prst="rect">
@@ -60784,18 +60784,26 @@
           <a:p>
             <a:pPr rtl="0"/>
             <a:r>
-              <a:rPr lang="en-US" altLang="ko-KR" dirty="0"/>
+              <a:rPr lang="en-US" altLang="ko-KR" dirty="0">
+                <a:latin typeface="+mj-ea"/>
+              </a:rPr>
               <a:t>AKKA.NET</a:t>
             </a:r>
             <a:r>
-              <a:rPr lang="ko-KR" altLang="en-US" dirty="0"/>
+              <a:rPr lang="ko-KR" altLang="en-US" dirty="0">
+                <a:latin typeface="+mj-ea"/>
+              </a:rPr>
               <a:t> 선택 이유</a:t>
             </a:r>
             <a:r>
-              <a:rPr lang="en-US" altLang="ko-KR" dirty="0"/>
+              <a:rPr lang="en-US" altLang="ko-KR" dirty="0">
+                <a:latin typeface="+mj-ea"/>
+              </a:rPr>
               <a:t>?</a:t>
             </a:r>
-            <a:endParaRPr lang="ko-KR" altLang="en-US" dirty="0"/>
+            <a:endParaRPr lang="ko-KR" altLang="en-US" dirty="0">
+              <a:latin typeface="+mj-ea"/>
+            </a:endParaRPr>
           </a:p>
         </p:txBody>
       </p:sp>
@@ -62225,26 +62233,6 @@
 </file>
 
 <file path=customXml/item1.xml><?xml version="1.0" encoding="utf-8"?>
-<?mso-contentType ?>
-<FormTemplates xmlns="http://schemas.microsoft.com/sharepoint/v3/contenttype/forms">
-  <Display>DocumentLibraryForm</Display>
-  <Edit>DocumentLibraryForm</Edit>
-  <New>DocumentLibraryForm</New>
-</FormTemplates>
-</file>
-
-<file path=customXml/item2.xml><?xml version="1.0" encoding="utf-8"?>
-<p:properties xmlns:p="http://schemas.microsoft.com/office/2006/metadata/properties" xmlns:xsi="http://www.w3.org/2001/XMLSchema-instance" xmlns:pc="http://schemas.microsoft.com/office/infopath/2007/PartnerControls">
-  <documentManagement>
-    <VSO_x0020_item_x0020_id xmlns="40262f94-9f35-4ac3-9a90-690165a166b7" xsi:nil="true"/>
-    <Assetid_x0020_ xmlns="40262f94-9f35-4ac3-9a90-690165a166b7" xsi:nil="true"/>
-    <Item_x0020_Details xmlns="40262f94-9f35-4ac3-9a90-690165a166b7" xsi:nil="true"/>
-    <Template_x0020_details xmlns="40262f94-9f35-4ac3-9a90-690165a166b7" xsi:nil="true"/>
-  </documentManagement>
-</p:properties>
-</file>
-
-<file path=customXml/item3.xml><?xml version="1.0" encoding="utf-8"?>
 <ct:contentTypeSchema xmlns:ct="http://schemas.microsoft.com/office/2006/metadata/contentType" xmlns:ma="http://schemas.microsoft.com/office/2006/metadata/properties/metaAttributes" ct:_="" ma:_="" ma:contentTypeName="Document" ma:contentTypeID="0x010100AA3F7D94069FF64A86F7DFF56D60E3BE" ma:contentTypeVersion="6" ma:contentTypeDescription="Create a new document." ma:contentTypeScope="" ma:versionID="c32302c77d4085ecf495bdddb7f5e889">
   <xsd:schema xmlns:xsd="http://www.w3.org/2001/XMLSchema" xmlns:xs="http://www.w3.org/2001/XMLSchema" xmlns:p="http://schemas.microsoft.com/office/2006/metadata/properties" xmlns:ns2="a4f35948-e619-41b3-aa29-22878b09cfd2" xmlns:ns3="40262f94-9f35-4ac3-9a90-690165a166b7" targetNamespace="http://schemas.microsoft.com/office/2006/metadata/properties" ma:root="true" ma:fieldsID="4ab5ae46be95f9d0be6107e8200be7a2" ns2:_="" ns3:_="">
     <xsd:import namespace="a4f35948-e619-41b3-aa29-22878b09cfd2"/>
@@ -62425,25 +62413,27 @@
 </ct:contentTypeSchema>
 </file>
 
-<file path=customXml/itemProps1.xml><?xml version="1.0" encoding="utf-8"?>
-<ds:datastoreItem xmlns:ds="http://schemas.openxmlformats.org/officeDocument/2006/customXml" ds:itemID="{653E1689-1E09-4ADC-A5E7-6718BF79A8A6}">
-  <ds:schemaRefs>
-    <ds:schemaRef ds:uri="http://schemas.microsoft.com/sharepoint/v3/contenttype/forms"/>
-  </ds:schemaRefs>
-</ds:datastoreItem>
+<file path=customXml/item2.xml><?xml version="1.0" encoding="utf-8"?>
+<p:properties xmlns:p="http://schemas.microsoft.com/office/2006/metadata/properties" xmlns:xsi="http://www.w3.org/2001/XMLSchema-instance" xmlns:pc="http://schemas.microsoft.com/office/infopath/2007/PartnerControls">
+  <documentManagement>
+    <VSO_x0020_item_x0020_id xmlns="40262f94-9f35-4ac3-9a90-690165a166b7" xsi:nil="true"/>
+    <Assetid_x0020_ xmlns="40262f94-9f35-4ac3-9a90-690165a166b7" xsi:nil="true"/>
+    <Item_x0020_Details xmlns="40262f94-9f35-4ac3-9a90-690165a166b7" xsi:nil="true"/>
+    <Template_x0020_details xmlns="40262f94-9f35-4ac3-9a90-690165a166b7" xsi:nil="true"/>
+  </documentManagement>
+</p:properties>
 </file>
 
-<file path=customXml/itemProps2.xml><?xml version="1.0" encoding="utf-8"?>
-<ds:datastoreItem xmlns:ds="http://schemas.openxmlformats.org/officeDocument/2006/customXml" ds:itemID="{3FFF1070-8794-47AC-90B7-1F2E078096FF}">
-  <ds:schemaRefs>
-    <ds:schemaRef ds:uri="http://schemas.microsoft.com/office/2006/metadata/properties"/>
-    <ds:schemaRef ds:uri="http://schemas.microsoft.com/office/infopath/2007/PartnerControls"/>
-    <ds:schemaRef ds:uri="40262f94-9f35-4ac3-9a90-690165a166b7"/>
-  </ds:schemaRefs>
-</ds:datastoreItem>
+<file path=customXml/item3.xml><?xml version="1.0" encoding="utf-8"?>
+<?mso-contentType ?>
+<FormTemplates xmlns="http://schemas.microsoft.com/sharepoint/v3/contenttype/forms">
+  <Display>DocumentLibraryForm</Display>
+  <Edit>DocumentLibraryForm</Edit>
+  <New>DocumentLibraryForm</New>
+</FormTemplates>
 </file>
 
-<file path=customXml/itemProps3.xml><?xml version="1.0" encoding="utf-8"?>
+<file path=customXml/itemProps1.xml><?xml version="1.0" encoding="utf-8"?>
 <ds:datastoreItem xmlns:ds="http://schemas.openxmlformats.org/officeDocument/2006/customXml" ds:itemID="{7CB30B94-6D3B-4C91-947C-5EB8E8EFFE4F}">
   <ds:schemaRefs>
     <ds:schemaRef ds:uri="http://schemas.microsoft.com/office/2006/metadata/contentType"/>
@@ -62460,4 +62450,22 @@
     <ds:schemaRef ds:uri="http://schemas.microsoft.com/internal/obd"/>
   </ds:schemaRefs>
 </ds:datastoreItem>
+</file>
+
+<file path=customXml/itemProps2.xml><?xml version="1.0" encoding="utf-8"?>
+<ds:datastoreItem xmlns:ds="http://schemas.openxmlformats.org/officeDocument/2006/customXml" ds:itemID="{3FFF1070-8794-47AC-90B7-1F2E078096FF}">
+  <ds:schemaRefs>
+    <ds:schemaRef ds:uri="http://schemas.microsoft.com/office/2006/metadata/properties"/>
+    <ds:schemaRef ds:uri="http://schemas.microsoft.com/office/infopath/2007/PartnerControls"/>
+    <ds:schemaRef ds:uri="40262f94-9f35-4ac3-9a90-690165a166b7"/>
+  </ds:schemaRefs>
+</ds:datastoreItem>
+</file>
+
+<file path=customXml/itemProps3.xml><?xml version="1.0" encoding="utf-8"?>
+<ds:datastoreItem xmlns:ds="http://schemas.openxmlformats.org/officeDocument/2006/customXml" ds:itemID="{653E1689-1E09-4ADC-A5E7-6718BF79A8A6}">
+  <ds:schemaRefs>
+    <ds:schemaRef ds:uri="http://schemas.microsoft.com/sharepoint/v3/contenttype/forms"/>
+  </ds:schemaRefs>
+</ds:datastoreItem>
 </file>